--- a/Export/测试文件/回路2.pptx
+++ b/Export/测试文件/回路2.pptx
@@ -287,7 +287,7 @@
           <a:p>
             <a:fld id="{9D8DBF92-4EB6-4EC9-A727-95A42529585B}" type="datetimeFigureOut">
               <a:rPr lang="zh-CN" altLang="en-US" smtClean="0"/>
-              <a:t>2018/3/15</a:t>
+              <a:t>2018/3/20</a:t>
             </a:fld>
             <a:endParaRPr lang="zh-CN" altLang="en-US"/>
           </a:p>
@@ -554,7 +554,7 @@
           <a:p>
             <a:fld id="{9D8DBF92-4EB6-4EC9-A727-95A42529585B}" type="datetimeFigureOut">
               <a:rPr lang="zh-CN" altLang="en-US" smtClean="0"/>
-              <a:t>2018/3/15</a:t>
+              <a:t>2018/3/20</a:t>
             </a:fld>
             <a:endParaRPr lang="zh-CN" altLang="en-US"/>
           </a:p>
@@ -785,7 +785,7 @@
           <a:p>
             <a:fld id="{9D8DBF92-4EB6-4EC9-A727-95A42529585B}" type="datetimeFigureOut">
               <a:rPr lang="zh-CN" altLang="en-US" smtClean="0"/>
-              <a:t>2018/3/15</a:t>
+              <a:t>2018/3/20</a:t>
             </a:fld>
             <a:endParaRPr lang="zh-CN" altLang="en-US"/>
           </a:p>
@@ -1095,7 +1095,7 @@
           <a:p>
             <a:fld id="{9D8DBF92-4EB6-4EC9-A727-95A42529585B}" type="datetimeFigureOut">
               <a:rPr lang="zh-CN" altLang="en-US" smtClean="0"/>
-              <a:t>2018/3/15</a:t>
+              <a:t>2018/3/20</a:t>
             </a:fld>
             <a:endParaRPr lang="zh-CN" altLang="en-US"/>
           </a:p>
@@ -1568,7 +1568,7 @@
           <a:p>
             <a:fld id="{9D8DBF92-4EB6-4EC9-A727-95A42529585B}" type="datetimeFigureOut">
               <a:rPr lang="zh-CN" altLang="en-US" smtClean="0"/>
-              <a:t>2018/3/15</a:t>
+              <a:t>2018/3/20</a:t>
             </a:fld>
             <a:endParaRPr lang="zh-CN" altLang="en-US"/>
           </a:p>
@@ -2115,7 +2115,7 @@
           <a:p>
             <a:fld id="{9D8DBF92-4EB6-4EC9-A727-95A42529585B}" type="datetimeFigureOut">
               <a:rPr lang="zh-CN" altLang="en-US" smtClean="0"/>
-              <a:t>2018/3/15</a:t>
+              <a:t>2018/3/20</a:t>
             </a:fld>
             <a:endParaRPr lang="zh-CN" altLang="en-US"/>
           </a:p>
@@ -2889,7 +2889,7 @@
           <a:p>
             <a:fld id="{9D8DBF92-4EB6-4EC9-A727-95A42529585B}" type="datetimeFigureOut">
               <a:rPr lang="zh-CN" altLang="en-US" smtClean="0"/>
-              <a:t>2018/3/15</a:t>
+              <a:t>2018/3/20</a:t>
             </a:fld>
             <a:endParaRPr lang="zh-CN" altLang="en-US"/>
           </a:p>
@@ -3064,7 +3064,7 @@
           <a:p>
             <a:fld id="{9D8DBF92-4EB6-4EC9-A727-95A42529585B}" type="datetimeFigureOut">
               <a:rPr lang="zh-CN" altLang="en-US" smtClean="0"/>
-              <a:t>2018/3/15</a:t>
+              <a:t>2018/3/20</a:t>
             </a:fld>
             <a:endParaRPr lang="zh-CN" altLang="en-US"/>
           </a:p>
@@ -3287,7 +3287,7 @@
           <a:p>
             <a:fld id="{9D8DBF92-4EB6-4EC9-A727-95A42529585B}" type="datetimeFigureOut">
               <a:rPr lang="zh-CN" altLang="en-US" smtClean="0"/>
-              <a:t>2018/3/15</a:t>
+              <a:t>2018/3/20</a:t>
             </a:fld>
             <a:endParaRPr lang="zh-CN" altLang="en-US"/>
           </a:p>
@@ -3467,7 +3467,7 @@
           <a:p>
             <a:fld id="{9D8DBF92-4EB6-4EC9-A727-95A42529585B}" type="datetimeFigureOut">
               <a:rPr lang="zh-CN" altLang="en-US" smtClean="0"/>
-              <a:t>2018/3/15</a:t>
+              <a:t>2018/3/20</a:t>
             </a:fld>
             <a:endParaRPr lang="zh-CN" altLang="en-US"/>
           </a:p>
@@ -3756,7 +3756,7 @@
           <a:p>
             <a:fld id="{9D8DBF92-4EB6-4EC9-A727-95A42529585B}" type="datetimeFigureOut">
               <a:rPr lang="zh-CN" altLang="en-US" smtClean="0"/>
-              <a:t>2018/3/15</a:t>
+              <a:t>2018/3/20</a:t>
             </a:fld>
             <a:endParaRPr lang="zh-CN" altLang="en-US"/>
           </a:p>
@@ -3998,7 +3998,7 @@
           <a:p>
             <a:fld id="{9D8DBF92-4EB6-4EC9-A727-95A42529585B}" type="datetimeFigureOut">
               <a:rPr lang="zh-CN" altLang="en-US" smtClean="0"/>
-              <a:t>2018/3/15</a:t>
+              <a:t>2018/3/20</a:t>
             </a:fld>
             <a:endParaRPr lang="zh-CN" altLang="en-US"/>
           </a:p>
@@ -4377,7 +4377,7 @@
           <a:p>
             <a:fld id="{9D8DBF92-4EB6-4EC9-A727-95A42529585B}" type="datetimeFigureOut">
               <a:rPr lang="zh-CN" altLang="en-US" smtClean="0"/>
-              <a:t>2018/3/15</a:t>
+              <a:t>2018/3/20</a:t>
             </a:fld>
             <a:endParaRPr lang="zh-CN" altLang="en-US"/>
           </a:p>
@@ -4495,7 +4495,7 @@
           <a:p>
             <a:fld id="{9D8DBF92-4EB6-4EC9-A727-95A42529585B}" type="datetimeFigureOut">
               <a:rPr lang="zh-CN" altLang="en-US" smtClean="0"/>
-              <a:t>2018/3/15</a:t>
+              <a:t>2018/3/20</a:t>
             </a:fld>
             <a:endParaRPr lang="zh-CN" altLang="en-US"/>
           </a:p>
@@ -4590,7 +4590,7 @@
           <a:p>
             <a:fld id="{9D8DBF92-4EB6-4EC9-A727-95A42529585B}" type="datetimeFigureOut">
               <a:rPr lang="zh-CN" altLang="en-US" smtClean="0"/>
-              <a:t>2018/3/15</a:t>
+              <a:t>2018/3/20</a:t>
             </a:fld>
             <a:endParaRPr lang="zh-CN" altLang="en-US"/>
           </a:p>
@@ -4839,7 +4839,7 @@
           <a:p>
             <a:fld id="{9D8DBF92-4EB6-4EC9-A727-95A42529585B}" type="datetimeFigureOut">
               <a:rPr lang="zh-CN" altLang="en-US" smtClean="0"/>
-              <a:t>2018/3/15</a:t>
+              <a:t>2018/3/20</a:t>
             </a:fld>
             <a:endParaRPr lang="zh-CN" altLang="en-US"/>
           </a:p>
@@ -5096,7 +5096,7 @@
           <a:p>
             <a:fld id="{9D8DBF92-4EB6-4EC9-A727-95A42529585B}" type="datetimeFigureOut">
               <a:rPr lang="zh-CN" altLang="en-US" smtClean="0"/>
-              <a:t>2018/3/15</a:t>
+              <a:t>2018/3/20</a:t>
             </a:fld>
             <a:endParaRPr lang="zh-CN" altLang="en-US"/>
           </a:p>
@@ -5339,7 +5339,7 @@
           <a:p>
             <a:fld id="{9D8DBF92-4EB6-4EC9-A727-95A42529585B}" type="datetimeFigureOut">
               <a:rPr lang="zh-CN" altLang="en-US" smtClean="0"/>
-              <a:t>2018/3/15</a:t>
+              <a:t>2018/3/20</a:t>
             </a:fld>
             <a:endParaRPr lang="zh-CN" altLang="en-US"/>
           </a:p>
